--- a/KUGODS Junior Algorithm study/정규세션 알고리즘 1주차.pptx
+++ b/KUGODS Junior Algorithm study/정규세션 알고리즘 1주차.pptx
@@ -227,7 +227,7 @@
           <a:p>
             <a:fld id="{BA464F65-D7CD-E542-8396-8B51408E64CA}" type="datetimeFigureOut">
               <a:rPr kumimoji="1" lang="ko-Kore-KR" altLang="en-US" smtClean="0"/>
-              <a:t>2022. 10. 31.</a:t>
+              <a:t>2022. 11. 9.</a:t>
             </a:fld>
             <a:endParaRPr kumimoji="1" lang="ko-Kore-KR" altLang="en-US"/>
           </a:p>
@@ -404,7 +404,7 @@
           <a:p>
             <a:fld id="{2EE59314-3B37-F245-9B8F-A2A1C0353C67}" type="datetimeFigureOut">
               <a:rPr kumimoji="1" lang="ko-Kore-KR" altLang="en-US" smtClean="0"/>
-              <a:t>2022. 10. 31.</a:t>
+              <a:t>2022. 11. 9.</a:t>
             </a:fld>
             <a:endParaRPr kumimoji="1" lang="ko-Kore-KR" altLang="en-US"/>
           </a:p>
@@ -919,7 +919,7 @@
           <a:p>
             <a:fld id="{09EBD7DB-1E76-534E-8822-F10881A41233}" type="datetimeFigureOut">
               <a:rPr kumimoji="1" lang="ko-Kore-KR" altLang="en-US" smtClean="0"/>
-              <a:t>2022. 10. 31.</a:t>
+              <a:t>2022. 11. 9.</a:t>
             </a:fld>
             <a:endParaRPr kumimoji="1" lang="ko-Kore-KR" altLang="en-US"/>
           </a:p>
@@ -1159,7 +1159,7 @@
           <a:p>
             <a:fld id="{09EBD7DB-1E76-534E-8822-F10881A41233}" type="datetimeFigureOut">
               <a:rPr kumimoji="1" lang="ko-Kore-KR" altLang="en-US" smtClean="0"/>
-              <a:t>2022. 10. 31.</a:t>
+              <a:t>2022. 11. 9.</a:t>
             </a:fld>
             <a:endParaRPr kumimoji="1" lang="ko-Kore-KR" altLang="en-US"/>
           </a:p>
@@ -1399,7 +1399,7 @@
           <a:p>
             <a:fld id="{09EBD7DB-1E76-534E-8822-F10881A41233}" type="datetimeFigureOut">
               <a:rPr kumimoji="1" lang="ko-Kore-KR" altLang="en-US" smtClean="0"/>
-              <a:t>2022. 10. 31.</a:t>
+              <a:t>2022. 11. 9.</a:t>
             </a:fld>
             <a:endParaRPr kumimoji="1" lang="ko-Kore-KR" altLang="en-US"/>
           </a:p>
@@ -1839,7 +1839,7 @@
           <a:p>
             <a:fld id="{09EBD7DB-1E76-534E-8822-F10881A41233}" type="datetimeFigureOut">
               <a:rPr kumimoji="1" lang="ko-Kore-KR" altLang="en-US" smtClean="0"/>
-              <a:t>2022. 10. 31.</a:t>
+              <a:t>2022. 11. 9.</a:t>
             </a:fld>
             <a:endParaRPr kumimoji="1" lang="ko-Kore-KR" altLang="en-US"/>
           </a:p>
@@ -2145,7 +2145,7 @@
           <a:p>
             <a:fld id="{09EBD7DB-1E76-534E-8822-F10881A41233}" type="datetimeFigureOut">
               <a:rPr kumimoji="1" lang="ko-Kore-KR" altLang="en-US" smtClean="0"/>
-              <a:t>2022. 10. 31.</a:t>
+              <a:t>2022. 11. 9.</a:t>
             </a:fld>
             <a:endParaRPr kumimoji="1" lang="ko-Kore-KR" altLang="en-US"/>
           </a:p>
@@ -2599,7 +2599,7 @@
           <a:p>
             <a:fld id="{09EBD7DB-1E76-534E-8822-F10881A41233}" type="datetimeFigureOut">
               <a:rPr kumimoji="1" lang="ko-Kore-KR" altLang="en-US" smtClean="0"/>
-              <a:t>2022. 10. 31.</a:t>
+              <a:t>2022. 11. 9.</a:t>
             </a:fld>
             <a:endParaRPr kumimoji="1" lang="ko-Kore-KR" altLang="en-US"/>
           </a:p>
@@ -2773,7 +2773,7 @@
           <a:p>
             <a:fld id="{09EBD7DB-1E76-534E-8822-F10881A41233}" type="datetimeFigureOut">
               <a:rPr kumimoji="1" lang="ko-Kore-KR" altLang="en-US" smtClean="0"/>
-              <a:t>2022. 10. 31.</a:t>
+              <a:t>2022. 11. 9.</a:t>
             </a:fld>
             <a:endParaRPr kumimoji="1" lang="ko-Kore-KR" altLang="en-US"/>
           </a:p>
@@ -2910,7 +2910,7 @@
           <a:p>
             <a:fld id="{09EBD7DB-1E76-534E-8822-F10881A41233}" type="datetimeFigureOut">
               <a:rPr kumimoji="1" lang="ko-Kore-KR" altLang="en-US" smtClean="0"/>
-              <a:t>2022. 10. 31.</a:t>
+              <a:t>2022. 11. 9.</a:t>
             </a:fld>
             <a:endParaRPr kumimoji="1" lang="ko-Kore-KR" altLang="en-US"/>
           </a:p>
@@ -3256,7 +3256,7 @@
           <a:p>
             <a:fld id="{09EBD7DB-1E76-534E-8822-F10881A41233}" type="datetimeFigureOut">
               <a:rPr kumimoji="1" lang="ko-Kore-KR" altLang="en-US" smtClean="0"/>
-              <a:t>2022. 10. 31.</a:t>
+              <a:t>2022. 11. 9.</a:t>
             </a:fld>
             <a:endParaRPr kumimoji="1" lang="ko-Kore-KR" altLang="en-US"/>
           </a:p>
@@ -3578,7 +3578,7 @@
           <a:p>
             <a:fld id="{09EBD7DB-1E76-534E-8822-F10881A41233}" type="datetimeFigureOut">
               <a:rPr kumimoji="1" lang="ko-Kore-KR" altLang="en-US" smtClean="0"/>
-              <a:t>2022. 10. 31.</a:t>
+              <a:t>2022. 11. 9.</a:t>
             </a:fld>
             <a:endParaRPr kumimoji="1" lang="ko-Kore-KR" altLang="en-US"/>
           </a:p>
@@ -13903,14 +13903,14 @@
                 <a:latin typeface="NanumSquareOTF_ac" panose="020B0600000101010101" pitchFamily="34" charset="-127"/>
                 <a:ea typeface="NanumSquareOTF_ac" panose="020B0600000101010101" pitchFamily="34" charset="-127"/>
               </a:rPr>
-              <a:t>(YES!!)</a:t>
-            </a:r>
-            <a:r>
-              <a:rPr kumimoji="1" lang="ko-KR" altLang="en-US" sz="2400" dirty="0">
-                <a:latin typeface="NanumSquareOTF_ac" panose="020B0600000101010101" pitchFamily="34" charset="-127"/>
-                <a:ea typeface="NanumSquareOTF_ac" panose="020B0600000101010101" pitchFamily="34" charset="-127"/>
-              </a:rPr>
-              <a:t> </a:t>
+              <a:t>(</a:t>
+            </a:r>
+            <a:r>
+              <a:rPr kumimoji="1" lang="en-US" altLang="ko-KR" sz="2400">
+                <a:latin typeface="NanumSquareOTF_ac" panose="020B0600000101010101" pitchFamily="34" charset="-127"/>
+                <a:ea typeface="NanumSquareOTF_ac" panose="020B0600000101010101" pitchFamily="34" charset="-127"/>
+              </a:rPr>
+              <a:t>YES!!)</a:t>
             </a:r>
             <a:endParaRPr kumimoji="1" lang="en-US" altLang="ko-KR" sz="2400" dirty="0">
               <a:latin typeface="NanumSquareOTF_ac" panose="020B0600000101010101" pitchFamily="34" charset="-127"/>
